--- a/lecture_notes/Week6-1e CNN Custom.pptx
+++ b/lecture_notes/Week6-1e CNN Custom.pptx
@@ -4925,8 +4925,8 @@
         </p:nvSpPr>
         <p:spPr>
           <a:xfrm>
-            <a:off x="1672305" y="2679155"/>
-            <a:ext cx="5870246" cy="920983"/>
+            <a:off x="1689793" y="2679155"/>
+            <a:ext cx="5944141" cy="920983"/>
           </a:xfrm>
           <a:prstGeom prst="rect">
             <a:avLst/>
